--- a/Chapter4/Figures/Fig6.pptx
+++ b/Chapter4/Figures/Fig6.pptx
@@ -192,7 +192,7 @@
           <a:p>
             <a:fld id="{AA73ECEA-9F47-46C3-BDD8-6A34D7CC78B9}" type="datetimeFigureOut">
               <a:rPr lang="en-GB" smtClean="0"/>
-              <a:t>05/05/2014</a:t>
+              <a:t>02/07/2014</a:t>
             </a:fld>
             <a:endParaRPr lang="en-GB"/>
           </a:p>
@@ -725,7 +725,7 @@
           <a:p>
             <a:fld id="{8D8DFEC9-E66C-40BC-8646-40D389931D7D}" type="datetimeFigureOut">
               <a:rPr lang="en-GB" smtClean="0"/>
-              <a:t>05/05/2014</a:t>
+              <a:t>02/07/2014</a:t>
             </a:fld>
             <a:endParaRPr lang="en-GB"/>
           </a:p>
@@ -895,7 +895,7 @@
           <a:p>
             <a:fld id="{8D8DFEC9-E66C-40BC-8646-40D389931D7D}" type="datetimeFigureOut">
               <a:rPr lang="en-GB" smtClean="0"/>
-              <a:t>05/05/2014</a:t>
+              <a:t>02/07/2014</a:t>
             </a:fld>
             <a:endParaRPr lang="en-GB"/>
           </a:p>
@@ -1075,7 +1075,7 @@
           <a:p>
             <a:fld id="{8D8DFEC9-E66C-40BC-8646-40D389931D7D}" type="datetimeFigureOut">
               <a:rPr lang="en-GB" smtClean="0"/>
-              <a:t>05/05/2014</a:t>
+              <a:t>02/07/2014</a:t>
             </a:fld>
             <a:endParaRPr lang="en-GB"/>
           </a:p>
@@ -1245,7 +1245,7 @@
           <a:p>
             <a:fld id="{8D8DFEC9-E66C-40BC-8646-40D389931D7D}" type="datetimeFigureOut">
               <a:rPr lang="en-GB" smtClean="0"/>
-              <a:t>05/05/2014</a:t>
+              <a:t>02/07/2014</a:t>
             </a:fld>
             <a:endParaRPr lang="en-GB"/>
           </a:p>
@@ -1491,7 +1491,7 @@
           <a:p>
             <a:fld id="{8D8DFEC9-E66C-40BC-8646-40D389931D7D}" type="datetimeFigureOut">
               <a:rPr lang="en-GB" smtClean="0"/>
-              <a:t>05/05/2014</a:t>
+              <a:t>02/07/2014</a:t>
             </a:fld>
             <a:endParaRPr lang="en-GB"/>
           </a:p>
@@ -1779,7 +1779,7 @@
           <a:p>
             <a:fld id="{8D8DFEC9-E66C-40BC-8646-40D389931D7D}" type="datetimeFigureOut">
               <a:rPr lang="en-GB" smtClean="0"/>
-              <a:t>05/05/2014</a:t>
+              <a:t>02/07/2014</a:t>
             </a:fld>
             <a:endParaRPr lang="en-GB"/>
           </a:p>
@@ -2206,7 +2206,7 @@
           <a:p>
             <a:fld id="{8D8DFEC9-E66C-40BC-8646-40D389931D7D}" type="datetimeFigureOut">
               <a:rPr lang="en-GB" smtClean="0"/>
-              <a:t>05/05/2014</a:t>
+              <a:t>02/07/2014</a:t>
             </a:fld>
             <a:endParaRPr lang="en-GB"/>
           </a:p>
@@ -2324,7 +2324,7 @@
           <a:p>
             <a:fld id="{8D8DFEC9-E66C-40BC-8646-40D389931D7D}" type="datetimeFigureOut">
               <a:rPr lang="en-GB" smtClean="0"/>
-              <a:t>05/05/2014</a:t>
+              <a:t>02/07/2014</a:t>
             </a:fld>
             <a:endParaRPr lang="en-GB"/>
           </a:p>
@@ -2419,7 +2419,7 @@
           <a:p>
             <a:fld id="{8D8DFEC9-E66C-40BC-8646-40D389931D7D}" type="datetimeFigureOut">
               <a:rPr lang="en-GB" smtClean="0"/>
-              <a:t>05/05/2014</a:t>
+              <a:t>02/07/2014</a:t>
             </a:fld>
             <a:endParaRPr lang="en-GB"/>
           </a:p>
@@ -2696,7 +2696,7 @@
           <a:p>
             <a:fld id="{8D8DFEC9-E66C-40BC-8646-40D389931D7D}" type="datetimeFigureOut">
               <a:rPr lang="en-GB" smtClean="0"/>
-              <a:t>05/05/2014</a:t>
+              <a:t>02/07/2014</a:t>
             </a:fld>
             <a:endParaRPr lang="en-GB"/>
           </a:p>
@@ -2949,7 +2949,7 @@
           <a:p>
             <a:fld id="{8D8DFEC9-E66C-40BC-8646-40D389931D7D}" type="datetimeFigureOut">
               <a:rPr lang="en-GB" smtClean="0"/>
-              <a:t>05/05/2014</a:t>
+              <a:t>02/07/2014</a:t>
             </a:fld>
             <a:endParaRPr lang="en-GB"/>
           </a:p>
@@ -3162,7 +3162,7 @@
           <a:p>
             <a:fld id="{8D8DFEC9-E66C-40BC-8646-40D389931D7D}" type="datetimeFigureOut">
               <a:rPr lang="en-GB" smtClean="0"/>
-              <a:t>05/05/2014</a:t>
+              <a:t>02/07/2014</a:t>
             </a:fld>
             <a:endParaRPr lang="en-GB"/>
           </a:p>
@@ -3830,7 +3830,7 @@
         <p:spPr>
           <a:xfrm>
             <a:off x="136798" y="2938193"/>
-            <a:ext cx="1123553" cy="477054"/>
+            <a:ext cx="1123553" cy="430887"/>
           </a:xfrm>
           <a:prstGeom prst="rect">
             <a:avLst/>
@@ -3844,10 +3844,10 @@
           <a:lstStyle/>
           <a:p>
             <a:r>
-              <a:rPr lang="en-GB" sz="2500" b="1" dirty="0" err="1" smtClean="0"/>
+              <a:rPr lang="en-GB" sz="2200" b="1" dirty="0" err="1" smtClean="0"/>
               <a:t>Silane</a:t>
             </a:r>
-            <a:endParaRPr lang="en-GB" sz="2500" b="1" dirty="0"/>
+            <a:endParaRPr lang="en-GB" sz="2200" b="1" dirty="0"/>
           </a:p>
         </p:txBody>
       </p:sp>
@@ -3860,7 +3860,7 @@
         <p:spPr>
           <a:xfrm>
             <a:off x="108223" y="-51147"/>
-            <a:ext cx="1584176" cy="477054"/>
+            <a:ext cx="1584176" cy="430887"/>
           </a:xfrm>
           <a:prstGeom prst="rect">
             <a:avLst/>
@@ -3874,10 +3874,10 @@
           <a:lstStyle/>
           <a:p>
             <a:r>
-              <a:rPr lang="en-GB" sz="2500" b="1" dirty="0" smtClean="0"/>
+              <a:rPr lang="en-GB" sz="2200" b="1" dirty="0" smtClean="0"/>
               <a:t>Untreated</a:t>
             </a:r>
-            <a:endParaRPr lang="en-GB" sz="2500" b="1" dirty="0"/>
+            <a:endParaRPr lang="en-GB" sz="2200" b="1" dirty="0"/>
           </a:p>
         </p:txBody>
       </p:sp>
